--- a/chatgpt_for_hpc.pptx
+++ b/chatgpt_for_hpc.pptx
@@ -12,6 +12,8 @@
     <p:sldId id="359" r:id="rId6"/>
     <p:sldId id="360" r:id="rId7"/>
     <p:sldId id="361" r:id="rId8"/>
+    <p:sldId id="362" r:id="rId9"/>
+    <p:sldId id="363" r:id="rId10"/>
   </p:sldIdLst>
   <p:sldSz cx="12192000" cy="6858000"/>
   <p:notesSz cx="6858000" cy="9144000"/>
@@ -110,6 +112,11 @@
       </a:defRPr>
     </a:lvl9pPr>
   </p:defaultTextStyle>
+  <p:extLst>
+    <p:ext uri="{EFAFB233-063F-42B5-8137-9DF3F51BA10A}">
+      <p15:sldGuideLst xmlns:p15="http://schemas.microsoft.com/office/powerpoint/2012/main"/>
+    </p:ext>
+  </p:extLst>
 </p:presentation>
 </file>
 
@@ -262,7 +269,7 @@
           <a:p>
             <a:fld id="{B5C7D115-A361-486E-B1C3-DEF79BD5CD8A}" type="datetimeFigureOut">
               <a:rPr lang="LID4096" smtClean="0"/>
-              <a:t>10/10/2023</a:t>
+              <a:t>10/11/2023</a:t>
             </a:fld>
             <a:endParaRPr lang="LID4096"/>
           </a:p>
@@ -462,7 +469,7 @@
           <a:p>
             <a:fld id="{B5C7D115-A361-486E-B1C3-DEF79BD5CD8A}" type="datetimeFigureOut">
               <a:rPr lang="LID4096" smtClean="0"/>
-              <a:t>10/10/2023</a:t>
+              <a:t>10/11/2023</a:t>
             </a:fld>
             <a:endParaRPr lang="LID4096"/>
           </a:p>
@@ -672,7 +679,7 @@
           <a:p>
             <a:fld id="{B5C7D115-A361-486E-B1C3-DEF79BD5CD8A}" type="datetimeFigureOut">
               <a:rPr lang="LID4096" smtClean="0"/>
-              <a:t>10/10/2023</a:t>
+              <a:t>10/11/2023</a:t>
             </a:fld>
             <a:endParaRPr lang="LID4096"/>
           </a:p>
@@ -872,7 +879,7 @@
           <a:p>
             <a:fld id="{B5C7D115-A361-486E-B1C3-DEF79BD5CD8A}" type="datetimeFigureOut">
               <a:rPr lang="LID4096" smtClean="0"/>
-              <a:t>10/10/2023</a:t>
+              <a:t>10/11/2023</a:t>
             </a:fld>
             <a:endParaRPr lang="LID4096"/>
           </a:p>
@@ -1148,7 +1155,7 @@
           <a:p>
             <a:fld id="{B5C7D115-A361-486E-B1C3-DEF79BD5CD8A}" type="datetimeFigureOut">
               <a:rPr lang="LID4096" smtClean="0"/>
-              <a:t>10/10/2023</a:t>
+              <a:t>10/11/2023</a:t>
             </a:fld>
             <a:endParaRPr lang="LID4096"/>
           </a:p>
@@ -1416,7 +1423,7 @@
           <a:p>
             <a:fld id="{B5C7D115-A361-486E-B1C3-DEF79BD5CD8A}" type="datetimeFigureOut">
               <a:rPr lang="LID4096" smtClean="0"/>
-              <a:t>10/10/2023</a:t>
+              <a:t>10/11/2023</a:t>
             </a:fld>
             <a:endParaRPr lang="LID4096"/>
           </a:p>
@@ -1831,7 +1838,7 @@
           <a:p>
             <a:fld id="{B5C7D115-A361-486E-B1C3-DEF79BD5CD8A}" type="datetimeFigureOut">
               <a:rPr lang="LID4096" smtClean="0"/>
-              <a:t>10/10/2023</a:t>
+              <a:t>10/11/2023</a:t>
             </a:fld>
             <a:endParaRPr lang="LID4096"/>
           </a:p>
@@ -1973,7 +1980,7 @@
           <a:p>
             <a:fld id="{B5C7D115-A361-486E-B1C3-DEF79BD5CD8A}" type="datetimeFigureOut">
               <a:rPr lang="LID4096" smtClean="0"/>
-              <a:t>10/10/2023</a:t>
+              <a:t>10/11/2023</a:t>
             </a:fld>
             <a:endParaRPr lang="LID4096"/>
           </a:p>
@@ -2086,7 +2093,7 @@
           <a:p>
             <a:fld id="{B5C7D115-A361-486E-B1C3-DEF79BD5CD8A}" type="datetimeFigureOut">
               <a:rPr lang="LID4096" smtClean="0"/>
-              <a:t>10/10/2023</a:t>
+              <a:t>10/11/2023</a:t>
             </a:fld>
             <a:endParaRPr lang="LID4096"/>
           </a:p>
@@ -2399,7 +2406,7 @@
           <a:p>
             <a:fld id="{B5C7D115-A361-486E-B1C3-DEF79BD5CD8A}" type="datetimeFigureOut">
               <a:rPr lang="LID4096" smtClean="0"/>
-              <a:t>10/10/2023</a:t>
+              <a:t>10/11/2023</a:t>
             </a:fld>
             <a:endParaRPr lang="LID4096"/>
           </a:p>
@@ -2688,7 +2695,7 @@
           <a:p>
             <a:fld id="{B5C7D115-A361-486E-B1C3-DEF79BD5CD8A}" type="datetimeFigureOut">
               <a:rPr lang="LID4096" smtClean="0"/>
-              <a:t>10/10/2023</a:t>
+              <a:t>10/11/2023</a:t>
             </a:fld>
             <a:endParaRPr lang="LID4096"/>
           </a:p>
@@ -2931,7 +2938,7 @@
           <a:p>
             <a:fld id="{B5C7D115-A361-486E-B1C3-DEF79BD5CD8A}" type="datetimeFigureOut">
               <a:rPr lang="LID4096" smtClean="0"/>
-              <a:t>10/10/2023</a:t>
+              <a:t>10/11/2023</a:t>
             </a:fld>
             <a:endParaRPr lang="LID4096"/>
           </a:p>
@@ -4353,135 +4360,6 @@
       </p:grpSpPr>
       <p:sp>
         <p:nvSpPr>
-          <p:cNvPr id="2" name="Title 1">
-            <a:extLst>
-              <a:ext uri="{FF2B5EF4-FFF2-40B4-BE49-F238E27FC236}">
-                <a16:creationId xmlns:a16="http://schemas.microsoft.com/office/drawing/2014/main" id="{2AC37FF2-684A-8525-B5E0-82138ADFE8FC}"/>
-              </a:ext>
-            </a:extLst>
-          </p:cNvPr>
-          <p:cNvSpPr>
-            <a:spLocks noGrp="1"/>
-          </p:cNvSpPr>
-          <p:nvPr>
-            <p:ph type="title"/>
-          </p:nvPr>
-        </p:nvSpPr>
-        <p:spPr/>
-        <p:txBody>
-          <a:bodyPr/>
-          <a:lstStyle/>
-          <a:p>
-            <a:r>
-              <a:rPr lang="en-US"/>
-              <a:t>Question answering</a:t>
-            </a:r>
-            <a:endParaRPr lang="LID4096" dirty="0"/>
-          </a:p>
-        </p:txBody>
-      </p:sp>
-      <p:sp>
-        <p:nvSpPr>
-          <p:cNvPr id="7" name="TextBox 6">
-            <a:extLst>
-              <a:ext uri="{FF2B5EF4-FFF2-40B4-BE49-F238E27FC236}">
-                <a16:creationId xmlns:a16="http://schemas.microsoft.com/office/drawing/2014/main" id="{B3B5114B-8139-410D-B2A8-2314413E6C12}"/>
-              </a:ext>
-            </a:extLst>
-          </p:cNvPr>
-          <p:cNvSpPr txBox="1"/>
-          <p:nvPr/>
-        </p:nvSpPr>
-        <p:spPr>
-          <a:xfrm>
-            <a:off x="1481258" y="2276916"/>
-            <a:ext cx="9071586" cy="1938992"/>
-          </a:xfrm>
-          <a:prstGeom prst="rect">
-            <a:avLst/>
-          </a:prstGeom>
-          <a:noFill/>
-        </p:spPr>
-        <p:txBody>
-          <a:bodyPr wrap="none" rtlCol="0">
-            <a:spAutoFit/>
-          </a:bodyPr>
-          <a:lstStyle/>
-          <a:p>
-            <a:r>
-              <a:rPr lang="en-US" sz="4000" dirty="0"/>
-              <a:t>C</a:t>
-            </a:r>
-            <a:r>
-              <a:rPr lang="en-US" sz="4000" b="0" i="0" dirty="0">
-                <a:solidFill>
-                  <a:srgbClr val="343541"/>
-                </a:solidFill>
-                <a:effectLst/>
-                <a:latin typeface="Söhne"/>
-              </a:rPr>
-              <a:t>an you list the steps to create a robust </a:t>
-            </a:r>
-          </a:p>
-          <a:p>
-            <a:r>
-              <a:rPr lang="en-US" sz="4000" b="0" i="0" dirty="0" err="1">
-                <a:solidFill>
-                  <a:srgbClr val="343541"/>
-                </a:solidFill>
-                <a:effectLst/>
-                <a:latin typeface="Söhne"/>
-              </a:rPr>
-              <a:t>ob</a:t>
-            </a:r>
-            <a:r>
-              <a:rPr lang="en-US" sz="4000" b="0" i="0" dirty="0">
-                <a:solidFill>
-                  <a:srgbClr val="343541"/>
-                </a:solidFill>
-                <a:effectLst/>
-                <a:latin typeface="Söhne"/>
-              </a:rPr>
-              <a:t> script for the </a:t>
-            </a:r>
-            <a:r>
-              <a:rPr lang="en-US" sz="4000" b="0" i="0" dirty="0" err="1">
-                <a:solidFill>
-                  <a:srgbClr val="343541"/>
-                </a:solidFill>
-                <a:effectLst/>
-                <a:latin typeface="Söhne"/>
-              </a:rPr>
-              <a:t>slurm</a:t>
-            </a:r>
-            <a:r>
-              <a:rPr lang="en-US" sz="4000" b="0" i="0" dirty="0">
-                <a:solidFill>
-                  <a:srgbClr val="343541"/>
-                </a:solidFill>
-                <a:effectLst/>
-                <a:latin typeface="Söhne"/>
-              </a:rPr>
-              <a:t> scheduler that runs </a:t>
-            </a:r>
-          </a:p>
-          <a:p>
-            <a:r>
-              <a:rPr lang="en-US" sz="4000" b="0" i="0" dirty="0">
-                <a:solidFill>
-                  <a:srgbClr val="343541"/>
-                </a:solidFill>
-                <a:effectLst/>
-                <a:latin typeface="Söhne"/>
-              </a:rPr>
-              <a:t>an MPI application on multiple nodes?</a:t>
-            </a:r>
-            <a:endParaRPr lang="LID4096" sz="4000" dirty="0"/>
-          </a:p>
-        </p:txBody>
-      </p:sp>
-      <p:sp>
-        <p:nvSpPr>
           <p:cNvPr id="8" name="Rectangle: Rounded Corners 7">
             <a:extLst>
               <a:ext uri="{FF2B5EF4-FFF2-40B4-BE49-F238E27FC236}">
@@ -4535,6 +4413,134 @@
       </p:sp>
       <p:sp>
         <p:nvSpPr>
+          <p:cNvPr id="2" name="Title 1">
+            <a:extLst>
+              <a:ext uri="{FF2B5EF4-FFF2-40B4-BE49-F238E27FC236}">
+                <a16:creationId xmlns:a16="http://schemas.microsoft.com/office/drawing/2014/main" id="{2AC37FF2-684A-8525-B5E0-82138ADFE8FC}"/>
+              </a:ext>
+            </a:extLst>
+          </p:cNvPr>
+          <p:cNvSpPr>
+            <a:spLocks noGrp="1"/>
+          </p:cNvSpPr>
+          <p:nvPr>
+            <p:ph type="title"/>
+          </p:nvPr>
+        </p:nvSpPr>
+        <p:spPr/>
+        <p:txBody>
+          <a:bodyPr/>
+          <a:lstStyle/>
+          <a:p>
+            <a:r>
+              <a:rPr lang="en-US"/>
+              <a:t>Question answering</a:t>
+            </a:r>
+            <a:endParaRPr lang="LID4096" dirty="0"/>
+          </a:p>
+        </p:txBody>
+      </p:sp>
+      <p:sp>
+        <p:nvSpPr>
+          <p:cNvPr id="7" name="TextBox 6">
+            <a:extLst>
+              <a:ext uri="{FF2B5EF4-FFF2-40B4-BE49-F238E27FC236}">
+                <a16:creationId xmlns:a16="http://schemas.microsoft.com/office/drawing/2014/main" id="{B3B5114B-8139-410D-B2A8-2314413E6C12}"/>
+              </a:ext>
+            </a:extLst>
+          </p:cNvPr>
+          <p:cNvSpPr txBox="1"/>
+          <p:nvPr/>
+        </p:nvSpPr>
+        <p:spPr>
+          <a:xfrm>
+            <a:off x="1481258" y="2276916"/>
+            <a:ext cx="9195018" cy="1938992"/>
+          </a:xfrm>
+          <a:prstGeom prst="rect">
+            <a:avLst/>
+          </a:prstGeom>
+          <a:noFill/>
+        </p:spPr>
+        <p:txBody>
+          <a:bodyPr wrap="none" rtlCol="0">
+            <a:spAutoFit/>
+          </a:bodyPr>
+          <a:lstStyle/>
+          <a:p>
+            <a:r>
+              <a:rPr lang="en-US" sz="4000" dirty="0"/>
+              <a:t>C</a:t>
+            </a:r>
+            <a:r>
+              <a:rPr lang="en-US" sz="4000" b="0" i="0" dirty="0">
+                <a:solidFill>
+                  <a:srgbClr val="343541"/>
+                </a:solidFill>
+                <a:effectLst/>
+                <a:latin typeface="Söhne"/>
+              </a:rPr>
+              <a:t>an you list the steps to create a robust </a:t>
+            </a:r>
+          </a:p>
+          <a:p>
+            <a:r>
+              <a:rPr lang="en-US" sz="4000" b="0" i="0" dirty="0">
+                <a:solidFill>
+                  <a:srgbClr val="343541"/>
+                </a:solidFill>
+                <a:effectLst/>
+                <a:latin typeface="Söhne"/>
+              </a:rPr>
+              <a:t>job script for the </a:t>
+            </a:r>
+            <a:r>
+              <a:rPr lang="en-US" sz="4000" dirty="0" err="1">
+                <a:solidFill>
+                  <a:srgbClr val="343541"/>
+                </a:solidFill>
+                <a:latin typeface="Söhne"/>
+              </a:rPr>
+              <a:t>S</a:t>
+            </a:r>
+            <a:r>
+              <a:rPr lang="en-US" sz="4000" b="0" i="0" dirty="0" err="1">
+                <a:solidFill>
+                  <a:srgbClr val="343541"/>
+                </a:solidFill>
+                <a:effectLst/>
+                <a:latin typeface="Söhne"/>
+              </a:rPr>
+              <a:t>lurm</a:t>
+            </a:r>
+            <a:r>
+              <a:rPr lang="en-US" sz="4000" b="0" i="0" dirty="0">
+                <a:solidFill>
+                  <a:srgbClr val="343541"/>
+                </a:solidFill>
+                <a:effectLst/>
+                <a:latin typeface="Söhne"/>
+              </a:rPr>
+              <a:t> scheduler that runs </a:t>
+            </a:r>
+          </a:p>
+          <a:p>
+            <a:r>
+              <a:rPr lang="en-US" sz="4000" b="0" i="0" dirty="0">
+                <a:solidFill>
+                  <a:srgbClr val="343541"/>
+                </a:solidFill>
+                <a:effectLst/>
+                <a:latin typeface="Söhne"/>
+              </a:rPr>
+              <a:t>an MPI application on multiple nodes?</a:t>
+            </a:r>
+            <a:endParaRPr lang="LID4096" sz="4000" dirty="0"/>
+          </a:p>
+        </p:txBody>
+      </p:sp>
+      <p:sp>
+        <p:nvSpPr>
           <p:cNvPr id="10" name="TextBox 9">
             <a:extLst>
               <a:ext uri="{FF2B5EF4-FFF2-40B4-BE49-F238E27FC236}">
@@ -4579,6 +4585,646 @@
     <p:extLst>
       <p:ext uri="{BB962C8B-B14F-4D97-AF65-F5344CB8AC3E}">
         <p14:creationId xmlns:p14="http://schemas.microsoft.com/office/powerpoint/2010/main" val="2309039474"/>
+      </p:ext>
+    </p:extLst>
+  </p:cSld>
+  <p:clrMapOvr>
+    <a:masterClrMapping/>
+  </p:clrMapOvr>
+</p:sld>
+</file>
+
+<file path=ppt/slides/slide8.xml><?xml version="1.0" encoding="utf-8"?>
+<p:sld xmlns:a="http://schemas.openxmlformats.org/drawingml/2006/main" xmlns:r="http://schemas.openxmlformats.org/officeDocument/2006/relationships" xmlns:p="http://schemas.openxmlformats.org/presentationml/2006/main">
+  <p:cSld>
+    <p:spTree>
+      <p:nvGrpSpPr>
+        <p:cNvPr id="1" name=""/>
+        <p:cNvGrpSpPr/>
+        <p:nvPr/>
+      </p:nvGrpSpPr>
+      <p:grpSpPr>
+        <a:xfrm>
+          <a:off x="0" y="0"/>
+          <a:ext cx="0" cy="0"/>
+          <a:chOff x="0" y="0"/>
+          <a:chExt cx="0" cy="0"/>
+        </a:xfrm>
+      </p:grpSpPr>
+      <p:sp>
+        <p:nvSpPr>
+          <p:cNvPr id="8" name="Rectangle: Rounded Corners 7">
+            <a:extLst>
+              <a:ext uri="{FF2B5EF4-FFF2-40B4-BE49-F238E27FC236}">
+                <a16:creationId xmlns:a16="http://schemas.microsoft.com/office/drawing/2014/main" id="{8EAB46FA-FD60-10AF-7862-DE6C12E8A6BA}"/>
+              </a:ext>
+            </a:extLst>
+          </p:cNvPr>
+          <p:cNvSpPr/>
+          <p:nvPr/>
+        </p:nvSpPr>
+        <p:spPr>
+          <a:xfrm>
+            <a:off x="1259840" y="1658479"/>
+            <a:ext cx="9584025" cy="3100728"/>
+          </a:xfrm>
+          <a:prstGeom prst="roundRect">
+            <a:avLst/>
+          </a:prstGeom>
+          <a:solidFill>
+            <a:schemeClr val="accent1">
+              <a:lumMod val="60000"/>
+              <a:lumOff val="40000"/>
+              <a:alpha val="18000"/>
+            </a:schemeClr>
+          </a:solidFill>
+        </p:spPr>
+        <p:style>
+          <a:lnRef idx="2">
+            <a:schemeClr val="accent1">
+              <a:shade val="15000"/>
+            </a:schemeClr>
+          </a:lnRef>
+          <a:fillRef idx="1">
+            <a:schemeClr val="accent1"/>
+          </a:fillRef>
+          <a:effectRef idx="0">
+            <a:schemeClr val="accent1"/>
+          </a:effectRef>
+          <a:fontRef idx="minor">
+            <a:schemeClr val="lt1"/>
+          </a:fontRef>
+        </p:style>
+        <p:txBody>
+          <a:bodyPr rtlCol="0" anchor="ctr"/>
+          <a:lstStyle/>
+          <a:p>
+            <a:pPr algn="ctr"/>
+            <a:endParaRPr lang="LID4096"/>
+          </a:p>
+        </p:txBody>
+      </p:sp>
+      <p:sp>
+        <p:nvSpPr>
+          <p:cNvPr id="2" name="Title 1">
+            <a:extLst>
+              <a:ext uri="{FF2B5EF4-FFF2-40B4-BE49-F238E27FC236}">
+                <a16:creationId xmlns:a16="http://schemas.microsoft.com/office/drawing/2014/main" id="{2AC37FF2-684A-8525-B5E0-82138ADFE8FC}"/>
+              </a:ext>
+            </a:extLst>
+          </p:cNvPr>
+          <p:cNvSpPr>
+            <a:spLocks noGrp="1"/>
+          </p:cNvSpPr>
+          <p:nvPr>
+            <p:ph type="title"/>
+          </p:nvPr>
+        </p:nvSpPr>
+        <p:spPr/>
+        <p:txBody>
+          <a:bodyPr/>
+          <a:lstStyle/>
+          <a:p>
+            <a:r>
+              <a:rPr lang="en-US" dirty="0"/>
+              <a:t>Conversation: improve and refine</a:t>
+            </a:r>
+            <a:endParaRPr lang="LID4096" dirty="0"/>
+          </a:p>
+        </p:txBody>
+      </p:sp>
+      <p:sp>
+        <p:nvSpPr>
+          <p:cNvPr id="7" name="TextBox 6">
+            <a:extLst>
+              <a:ext uri="{FF2B5EF4-FFF2-40B4-BE49-F238E27FC236}">
+                <a16:creationId xmlns:a16="http://schemas.microsoft.com/office/drawing/2014/main" id="{B3B5114B-8139-410D-B2A8-2314413E6C12}"/>
+              </a:ext>
+            </a:extLst>
+          </p:cNvPr>
+          <p:cNvSpPr txBox="1"/>
+          <p:nvPr/>
+        </p:nvSpPr>
+        <p:spPr>
+          <a:xfrm>
+            <a:off x="1559079" y="1712219"/>
+            <a:ext cx="9284786" cy="3046988"/>
+          </a:xfrm>
+          <a:prstGeom prst="rect">
+            <a:avLst/>
+          </a:prstGeom>
+          <a:noFill/>
+        </p:spPr>
+        <p:txBody>
+          <a:bodyPr wrap="none" rtlCol="0">
+            <a:spAutoFit/>
+          </a:bodyPr>
+          <a:lstStyle/>
+          <a:p>
+            <a:r>
+              <a:rPr lang="en-US" sz="2400" dirty="0"/>
+              <a:t>Can you help me write a job script for the </a:t>
+            </a:r>
+            <a:r>
+              <a:rPr lang="en-US" sz="2400" dirty="0" err="1"/>
+              <a:t>Slurm</a:t>
+            </a:r>
+            <a:r>
+              <a:rPr lang="en-US" sz="2400" dirty="0"/>
+              <a:t> scheduler that runs a</a:t>
+            </a:r>
+          </a:p>
+          <a:p>
+            <a:r>
+              <a:rPr lang="en-US" sz="2400" dirty="0"/>
+              <a:t>hybrid MPI/OpenMP application on 4 compute nodes that have</a:t>
+            </a:r>
+          </a:p>
+          <a:p>
+            <a:r>
+              <a:rPr lang="en-US" sz="2400" dirty="0"/>
+              <a:t>32 cores each?  Each MPI process should use 4 threads.  The application</a:t>
+            </a:r>
+          </a:p>
+          <a:p>
+            <a:r>
+              <a:rPr lang="en-US" sz="2400" dirty="0"/>
+              <a:t>is build using Intel MPI, which is installed as a module, as well as with the</a:t>
+            </a:r>
+          </a:p>
+          <a:p>
+            <a:r>
+              <a:rPr lang="en-US" sz="2400" dirty="0"/>
+              <a:t>Intel compiler suite. </a:t>
+            </a:r>
+            <a:r>
+              <a:rPr lang="en-US" sz="2400" dirty="0" err="1"/>
+              <a:t>Lmod</a:t>
+            </a:r>
+            <a:r>
+              <a:rPr lang="en-US" sz="2400" dirty="0"/>
+              <a:t> modules are used to manage software</a:t>
+            </a:r>
+          </a:p>
+          <a:p>
+            <a:r>
+              <a:rPr lang="en-US" sz="2400" dirty="0"/>
+              <a:t>versions. The application is expected to run for 10 hours and each</a:t>
+            </a:r>
+          </a:p>
+          <a:p>
+            <a:r>
+              <a:rPr lang="en-US" sz="2400" dirty="0"/>
+              <a:t>process will use 3 GB RAM.  The application is located in the directory</a:t>
+            </a:r>
+          </a:p>
+          <a:p>
+            <a:r>
+              <a:rPr lang="en-US" sz="2400" dirty="0"/>
+              <a:t>in which the job will be submitted.</a:t>
+            </a:r>
+            <a:endParaRPr lang="LID4096" sz="2400" dirty="0"/>
+          </a:p>
+        </p:txBody>
+      </p:sp>
+      <p:sp>
+        <p:nvSpPr>
+          <p:cNvPr id="10" name="TextBox 9">
+            <a:extLst>
+              <a:ext uri="{FF2B5EF4-FFF2-40B4-BE49-F238E27FC236}">
+                <a16:creationId xmlns:a16="http://schemas.microsoft.com/office/drawing/2014/main" id="{93F8C748-E62E-A42B-5F1D-B2E02775D2FB}"/>
+              </a:ext>
+            </a:extLst>
+          </p:cNvPr>
+          <p:cNvSpPr txBox="1"/>
+          <p:nvPr/>
+        </p:nvSpPr>
+        <p:spPr>
+          <a:xfrm>
+            <a:off x="1215327" y="4923472"/>
+            <a:ext cx="9395585" cy="461665"/>
+          </a:xfrm>
+          <a:prstGeom prst="rect">
+            <a:avLst/>
+          </a:prstGeom>
+          <a:noFill/>
+        </p:spPr>
+        <p:txBody>
+          <a:bodyPr wrap="none" rtlCol="0">
+            <a:spAutoFit/>
+          </a:bodyPr>
+          <a:lstStyle/>
+          <a:p>
+            <a:r>
+              <a:rPr lang="en-US" sz="2400" dirty="0">
+                <a:hlinkClick r:id="rId2"/>
+              </a:rPr>
+              <a:t>https://chat.openai.com/share/299c77a3-c05a-4222-8f8f-4c56c5004612</a:t>
+            </a:r>
+            <a:r>
+              <a:rPr lang="en-US" sz="2400" dirty="0"/>
+              <a:t> </a:t>
+            </a:r>
+            <a:endParaRPr lang="LID4096" sz="3200" dirty="0"/>
+          </a:p>
+        </p:txBody>
+      </p:sp>
+    </p:spTree>
+    <p:extLst>
+      <p:ext uri="{BB962C8B-B14F-4D97-AF65-F5344CB8AC3E}">
+        <p14:creationId xmlns:p14="http://schemas.microsoft.com/office/powerpoint/2010/main" val="724935070"/>
+      </p:ext>
+    </p:extLst>
+  </p:cSld>
+  <p:clrMapOvr>
+    <a:masterClrMapping/>
+  </p:clrMapOvr>
+</p:sld>
+</file>
+
+<file path=ppt/slides/slide9.xml><?xml version="1.0" encoding="utf-8"?>
+<p:sld xmlns:a="http://schemas.openxmlformats.org/drawingml/2006/main" xmlns:r="http://schemas.openxmlformats.org/officeDocument/2006/relationships" xmlns:p="http://schemas.openxmlformats.org/presentationml/2006/main">
+  <p:cSld>
+    <p:spTree>
+      <p:nvGrpSpPr>
+        <p:cNvPr id="1" name=""/>
+        <p:cNvGrpSpPr/>
+        <p:nvPr/>
+      </p:nvGrpSpPr>
+      <p:grpSpPr>
+        <a:xfrm>
+          <a:off x="0" y="0"/>
+          <a:ext cx="0" cy="0"/>
+          <a:chOff x="0" y="0"/>
+          <a:chExt cx="0" cy="0"/>
+        </a:xfrm>
+      </p:grpSpPr>
+      <p:grpSp>
+        <p:nvGrpSpPr>
+          <p:cNvPr id="4" name="Group 3">
+            <a:extLst>
+              <a:ext uri="{FF2B5EF4-FFF2-40B4-BE49-F238E27FC236}">
+                <a16:creationId xmlns:a16="http://schemas.microsoft.com/office/drawing/2014/main" id="{5DCD63CE-43A9-72B2-B3EC-3C89251E9097}"/>
+              </a:ext>
+            </a:extLst>
+          </p:cNvPr>
+          <p:cNvGrpSpPr/>
+          <p:nvPr/>
+        </p:nvGrpSpPr>
+        <p:grpSpPr>
+          <a:xfrm>
+            <a:off x="1134808" y="1773150"/>
+            <a:ext cx="9672320" cy="2708592"/>
+            <a:chOff x="1193174" y="2199892"/>
+            <a:chExt cx="9672320" cy="2708592"/>
+          </a:xfrm>
+        </p:grpSpPr>
+        <p:sp>
+          <p:nvSpPr>
+            <p:cNvPr id="8" name="Rectangle: Rounded Corners 7">
+              <a:extLst>
+                <a:ext uri="{FF2B5EF4-FFF2-40B4-BE49-F238E27FC236}">
+                  <a16:creationId xmlns:a16="http://schemas.microsoft.com/office/drawing/2014/main" id="{8EAB46FA-FD60-10AF-7862-DE6C12E8A6BA}"/>
+                </a:ext>
+              </a:extLst>
+            </p:cNvPr>
+            <p:cNvSpPr/>
+            <p:nvPr/>
+          </p:nvSpPr>
+          <p:spPr>
+            <a:xfrm>
+              <a:off x="1193174" y="2199892"/>
+              <a:ext cx="9672320" cy="2708592"/>
+            </a:xfrm>
+            <a:prstGeom prst="roundRect">
+              <a:avLst/>
+            </a:prstGeom>
+            <a:solidFill>
+              <a:schemeClr val="accent1">
+                <a:lumMod val="60000"/>
+                <a:lumOff val="40000"/>
+                <a:alpha val="18000"/>
+              </a:schemeClr>
+            </a:solidFill>
+          </p:spPr>
+          <p:style>
+            <a:lnRef idx="2">
+              <a:schemeClr val="accent1">
+                <a:shade val="15000"/>
+              </a:schemeClr>
+            </a:lnRef>
+            <a:fillRef idx="1">
+              <a:schemeClr val="accent1"/>
+            </a:fillRef>
+            <a:effectRef idx="0">
+              <a:schemeClr val="accent1"/>
+            </a:effectRef>
+            <a:fontRef idx="minor">
+              <a:schemeClr val="lt1"/>
+            </a:fontRef>
+          </p:style>
+          <p:txBody>
+            <a:bodyPr rtlCol="0" anchor="ctr"/>
+            <a:lstStyle/>
+            <a:p>
+              <a:pPr algn="ctr"/>
+              <a:endParaRPr lang="LID4096"/>
+            </a:p>
+          </p:txBody>
+        </p:sp>
+        <p:sp>
+          <p:nvSpPr>
+            <p:cNvPr id="7" name="TextBox 6">
+              <a:extLst>
+                <a:ext uri="{FF2B5EF4-FFF2-40B4-BE49-F238E27FC236}">
+                  <a16:creationId xmlns:a16="http://schemas.microsoft.com/office/drawing/2014/main" id="{B3B5114B-8139-410D-B2A8-2314413E6C12}"/>
+                </a:ext>
+              </a:extLst>
+            </p:cNvPr>
+            <p:cNvSpPr txBox="1"/>
+            <p:nvPr/>
+          </p:nvSpPr>
+          <p:spPr>
+            <a:xfrm>
+              <a:off x="1481258" y="2276916"/>
+              <a:ext cx="9384236" cy="2554545"/>
+            </a:xfrm>
+            <a:prstGeom prst="rect">
+              <a:avLst/>
+            </a:prstGeom>
+            <a:noFill/>
+          </p:spPr>
+          <p:txBody>
+            <a:bodyPr wrap="none" rtlCol="0">
+              <a:spAutoFit/>
+            </a:bodyPr>
+            <a:lstStyle/>
+            <a:p>
+              <a:r>
+                <a:rPr lang="en-US" sz="4000" b="0" i="0" dirty="0">
+                  <a:solidFill>
+                    <a:srgbClr val="343541"/>
+                  </a:solidFill>
+                  <a:effectLst/>
+                  <a:latin typeface="Söhne"/>
+                </a:rPr>
+                <a:t>Can you describe the attractive-repulsive</a:t>
+              </a:r>
+            </a:p>
+            <a:p>
+              <a:r>
+                <a:rPr lang="en-US" sz="4000" b="0" i="0" dirty="0">
+                  <a:solidFill>
+                    <a:srgbClr val="343541"/>
+                  </a:solidFill>
+                  <a:effectLst/>
+                  <a:latin typeface="Söhne"/>
+                </a:rPr>
+                <a:t>force between molecules and give the name</a:t>
+              </a:r>
+            </a:p>
+            <a:p>
+              <a:r>
+                <a:rPr lang="en-US" sz="4000" b="0" i="0" dirty="0">
+                  <a:solidFill>
+                    <a:srgbClr val="343541"/>
+                  </a:solidFill>
+                  <a:effectLst/>
+                  <a:latin typeface="Söhne"/>
+                </a:rPr>
+                <a:t>of the function that describes the potential</a:t>
+              </a:r>
+            </a:p>
+            <a:p>
+              <a:r>
+                <a:rPr lang="en-US" sz="4000" b="0" i="0" dirty="0">
+                  <a:solidFill>
+                    <a:srgbClr val="343541"/>
+                  </a:solidFill>
+                  <a:effectLst/>
+                  <a:latin typeface="Söhne"/>
+                </a:rPr>
+                <a:t>energy?</a:t>
+              </a:r>
+              <a:endParaRPr lang="LID4096" sz="4000" dirty="0"/>
+            </a:p>
+          </p:txBody>
+        </p:sp>
+      </p:grpSp>
+      <p:sp>
+        <p:nvSpPr>
+          <p:cNvPr id="2" name="Title 1">
+            <a:extLst>
+              <a:ext uri="{FF2B5EF4-FFF2-40B4-BE49-F238E27FC236}">
+                <a16:creationId xmlns:a16="http://schemas.microsoft.com/office/drawing/2014/main" id="{2AC37FF2-684A-8525-B5E0-82138ADFE8FC}"/>
+              </a:ext>
+            </a:extLst>
+          </p:cNvPr>
+          <p:cNvSpPr>
+            <a:spLocks noGrp="1"/>
+          </p:cNvSpPr>
+          <p:nvPr>
+            <p:ph type="title"/>
+          </p:nvPr>
+        </p:nvSpPr>
+        <p:spPr/>
+        <p:txBody>
+          <a:bodyPr/>
+          <a:lstStyle/>
+          <a:p>
+            <a:r>
+              <a:rPr lang="en-US" dirty="0"/>
+              <a:t>Question results</a:t>
+            </a:r>
+            <a:endParaRPr lang="LID4096" dirty="0"/>
+          </a:p>
+        </p:txBody>
+      </p:sp>
+      <p:sp>
+        <p:nvSpPr>
+          <p:cNvPr id="10" name="TextBox 9">
+            <a:extLst>
+              <a:ext uri="{FF2B5EF4-FFF2-40B4-BE49-F238E27FC236}">
+                <a16:creationId xmlns:a16="http://schemas.microsoft.com/office/drawing/2014/main" id="{93F8C748-E62E-A42B-5F1D-B2E02775D2FB}"/>
+              </a:ext>
+            </a:extLst>
+          </p:cNvPr>
+          <p:cNvSpPr txBox="1"/>
+          <p:nvPr/>
+        </p:nvSpPr>
+        <p:spPr>
+          <a:xfrm>
+            <a:off x="1341787" y="5644595"/>
+            <a:ext cx="9395585" cy="461665"/>
+          </a:xfrm>
+          <a:prstGeom prst="rect">
+            <a:avLst/>
+          </a:prstGeom>
+          <a:noFill/>
+        </p:spPr>
+        <p:txBody>
+          <a:bodyPr wrap="none" rtlCol="0">
+            <a:spAutoFit/>
+          </a:bodyPr>
+          <a:lstStyle/>
+          <a:p>
+            <a:r>
+              <a:rPr lang="en-US" sz="2400" dirty="0">
+                <a:hlinkClick r:id="rId2"/>
+              </a:rPr>
+              <a:t>https://chat.openai.com/share/5d9fb2f6-0d64-4a56-96b7-23db767c2bc1</a:t>
+            </a:r>
+            <a:r>
+              <a:rPr lang="en-US" sz="2400" dirty="0"/>
+              <a:t> </a:t>
+            </a:r>
+            <a:endParaRPr lang="LID4096" sz="3200" dirty="0"/>
+          </a:p>
+        </p:txBody>
+      </p:sp>
+      <p:grpSp>
+        <p:nvGrpSpPr>
+          <p:cNvPr id="6" name="Group 5">
+            <a:extLst>
+              <a:ext uri="{FF2B5EF4-FFF2-40B4-BE49-F238E27FC236}">
+                <a16:creationId xmlns:a16="http://schemas.microsoft.com/office/drawing/2014/main" id="{812BC712-50DF-DFF4-12C6-3DD792094B1D}"/>
+              </a:ext>
+            </a:extLst>
+          </p:cNvPr>
+          <p:cNvGrpSpPr/>
+          <p:nvPr/>
+        </p:nvGrpSpPr>
+        <p:grpSpPr>
+          <a:xfrm>
+            <a:off x="4643250" y="3824397"/>
+            <a:ext cx="6778529" cy="1458997"/>
+            <a:chOff x="4643250" y="3482654"/>
+            <a:chExt cx="6778529" cy="1458997"/>
+          </a:xfrm>
+        </p:grpSpPr>
+        <p:sp>
+          <p:nvSpPr>
+            <p:cNvPr id="5" name="Rectangle: Rounded Corners 4">
+              <a:extLst>
+                <a:ext uri="{FF2B5EF4-FFF2-40B4-BE49-F238E27FC236}">
+                  <a16:creationId xmlns:a16="http://schemas.microsoft.com/office/drawing/2014/main" id="{D2A09F33-CC63-3773-AA9D-B22170553DBC}"/>
+                </a:ext>
+              </a:extLst>
+            </p:cNvPr>
+            <p:cNvSpPr/>
+            <p:nvPr/>
+          </p:nvSpPr>
+          <p:spPr>
+            <a:xfrm>
+              <a:off x="4643250" y="3482654"/>
+              <a:ext cx="6778529" cy="1458997"/>
+            </a:xfrm>
+            <a:prstGeom prst="roundRect">
+              <a:avLst/>
+            </a:prstGeom>
+            <a:solidFill>
+              <a:schemeClr val="accent1">
+                <a:lumMod val="60000"/>
+                <a:lumOff val="40000"/>
+              </a:schemeClr>
+            </a:solidFill>
+          </p:spPr>
+          <p:style>
+            <a:lnRef idx="2">
+              <a:schemeClr val="accent1">
+                <a:shade val="15000"/>
+              </a:schemeClr>
+            </a:lnRef>
+            <a:fillRef idx="1">
+              <a:schemeClr val="accent1"/>
+            </a:fillRef>
+            <a:effectRef idx="0">
+              <a:schemeClr val="accent1"/>
+            </a:effectRef>
+            <a:fontRef idx="minor">
+              <a:schemeClr val="lt1"/>
+            </a:fontRef>
+          </p:style>
+          <p:txBody>
+            <a:bodyPr rtlCol="0" anchor="ctr"/>
+            <a:lstStyle/>
+            <a:p>
+              <a:pPr algn="ctr"/>
+              <a:endParaRPr lang="LID4096"/>
+            </a:p>
+          </p:txBody>
+        </p:sp>
+        <p:sp>
+          <p:nvSpPr>
+            <p:cNvPr id="3" name="TextBox 2">
+              <a:extLst>
+                <a:ext uri="{FF2B5EF4-FFF2-40B4-BE49-F238E27FC236}">
+                  <a16:creationId xmlns:a16="http://schemas.microsoft.com/office/drawing/2014/main" id="{095EC392-C9A6-B55C-822F-6CF143A7A287}"/>
+                </a:ext>
+              </a:extLst>
+            </p:cNvPr>
+            <p:cNvSpPr txBox="1"/>
+            <p:nvPr/>
+          </p:nvSpPr>
+          <p:spPr>
+            <a:xfrm>
+              <a:off x="4798812" y="3636621"/>
+              <a:ext cx="6622967" cy="1200329"/>
+            </a:xfrm>
+            <a:prstGeom prst="rect">
+              <a:avLst/>
+            </a:prstGeom>
+            <a:noFill/>
+          </p:spPr>
+          <p:txBody>
+            <a:bodyPr wrap="none" rtlCol="0">
+              <a:spAutoFit/>
+            </a:bodyPr>
+            <a:lstStyle/>
+            <a:p>
+              <a:r>
+                <a:rPr lang="en-US" sz="2400" b="0" i="0" dirty="0">
+                  <a:solidFill>
+                    <a:srgbClr val="343541"/>
+                  </a:solidFill>
+                  <a:effectLst/>
+                  <a:latin typeface="Söhne"/>
+                </a:rPr>
+                <a:t>Are you sure this is correct? Using the formula for F,</a:t>
+              </a:r>
+            </a:p>
+            <a:p>
+              <a:r>
+                <a:rPr lang="en-US" sz="2400" b="0" i="0" dirty="0">
+                  <a:solidFill>
+                    <a:srgbClr val="343541"/>
+                  </a:solidFill>
+                  <a:effectLst/>
+                  <a:latin typeface="Söhne"/>
+                </a:rPr>
+                <a:t>the force would be purely attractive, which</a:t>
+              </a:r>
+            </a:p>
+            <a:p>
+              <a:r>
+                <a:rPr lang="en-US" sz="2400" b="0" i="0" dirty="0">
+                  <a:solidFill>
+                    <a:srgbClr val="343541"/>
+                  </a:solidFill>
+                  <a:effectLst/>
+                  <a:latin typeface="Söhne"/>
+                </a:rPr>
+                <a:t>contradicts the potential energy.</a:t>
+              </a:r>
+              <a:endParaRPr lang="en-US" sz="2400" dirty="0"/>
+            </a:p>
+          </p:txBody>
+        </p:sp>
+      </p:grpSp>
+    </p:spTree>
+    <p:extLst>
+      <p:ext uri="{BB962C8B-B14F-4D97-AF65-F5344CB8AC3E}">
+        <p14:creationId xmlns:p14="http://schemas.microsoft.com/office/powerpoint/2010/main" val="805563629"/>
       </p:ext>
     </p:extLst>
   </p:cSld>
